--- a/computer_science/statistics/model/hmm/bkt/papers/individualized-bayesian-knowledge-tracing.pptx
+++ b/computer_science/statistics/model/hmm/bkt/papers/individualized-bayesian-knowledge-tracing.pptx
@@ -8,21 +8,24 @@
     <p:sldId id="256" r:id="rId2"/>
     <p:sldId id="257" r:id="rId3"/>
     <p:sldId id="258" r:id="rId4"/>
-    <p:sldId id="259" r:id="rId5"/>
-    <p:sldId id="260" r:id="rId6"/>
-    <p:sldId id="261" r:id="rId7"/>
-    <p:sldId id="262" r:id="rId8"/>
-    <p:sldId id="263" r:id="rId9"/>
-    <p:sldId id="264" r:id="rId10"/>
-    <p:sldId id="265" r:id="rId11"/>
-    <p:sldId id="266" r:id="rId12"/>
-    <p:sldId id="267" r:id="rId13"/>
-    <p:sldId id="268" r:id="rId14"/>
-    <p:sldId id="269" r:id="rId15"/>
-    <p:sldId id="271" r:id="rId16"/>
-    <p:sldId id="270" r:id="rId17"/>
-    <p:sldId id="272" r:id="rId18"/>
-    <p:sldId id="273" r:id="rId19"/>
+    <p:sldId id="274" r:id="rId5"/>
+    <p:sldId id="275" r:id="rId6"/>
+    <p:sldId id="259" r:id="rId7"/>
+    <p:sldId id="260" r:id="rId8"/>
+    <p:sldId id="261" r:id="rId9"/>
+    <p:sldId id="262" r:id="rId10"/>
+    <p:sldId id="263" r:id="rId11"/>
+    <p:sldId id="264" r:id="rId12"/>
+    <p:sldId id="265" r:id="rId13"/>
+    <p:sldId id="266" r:id="rId14"/>
+    <p:sldId id="267" r:id="rId15"/>
+    <p:sldId id="268" r:id="rId16"/>
+    <p:sldId id="269" r:id="rId17"/>
+    <p:sldId id="271" r:id="rId18"/>
+    <p:sldId id="270" r:id="rId19"/>
+    <p:sldId id="272" r:id="rId20"/>
+    <p:sldId id="273" r:id="rId21"/>
+    <p:sldId id="276" r:id="rId22"/>
   </p:sldIdLst>
   <p:sldSz cx="12192000" cy="6858000"/>
   <p:notesSz cx="6858000" cy="9144000"/>
@@ -121,6 +124,11 @@
       </a:defRPr>
     </a:lvl9pPr>
   </p:defaultTextStyle>
+  <p:extLst>
+    <p:ext uri="{EFAFB233-063F-42B5-8137-9DF3F51BA10A}">
+      <p15:sldGuideLst xmlns:p15="http://schemas.microsoft.com/office/powerpoint/2012/main"/>
+    </p:ext>
+  </p:extLst>
 </p:presentation>
 </file>
 
@@ -255,7 +263,7 @@
           <a:p>
             <a:fld id="{564D4755-CC2C-477D-A52D-7B85F863187A}" type="datetimeFigureOut">
               <a:rPr lang="zh-CN" altLang="en-US" smtClean="0"/>
-              <a:t>2018/12/10</a:t>
+              <a:t>2018/12/19</a:t>
             </a:fld>
             <a:endParaRPr lang="zh-CN" altLang="en-US"/>
           </a:p>
@@ -425,7 +433,7 @@
           <a:p>
             <a:fld id="{564D4755-CC2C-477D-A52D-7B85F863187A}" type="datetimeFigureOut">
               <a:rPr lang="zh-CN" altLang="en-US" smtClean="0"/>
-              <a:t>2018/12/10</a:t>
+              <a:t>2018/12/19</a:t>
             </a:fld>
             <a:endParaRPr lang="zh-CN" altLang="en-US"/>
           </a:p>
@@ -605,7 +613,7 @@
           <a:p>
             <a:fld id="{564D4755-CC2C-477D-A52D-7B85F863187A}" type="datetimeFigureOut">
               <a:rPr lang="zh-CN" altLang="en-US" smtClean="0"/>
-              <a:t>2018/12/10</a:t>
+              <a:t>2018/12/19</a:t>
             </a:fld>
             <a:endParaRPr lang="zh-CN" altLang="en-US"/>
           </a:p>
@@ -775,7 +783,7 @@
           <a:p>
             <a:fld id="{564D4755-CC2C-477D-A52D-7B85F863187A}" type="datetimeFigureOut">
               <a:rPr lang="zh-CN" altLang="en-US" smtClean="0"/>
-              <a:t>2018/12/10</a:t>
+              <a:t>2018/12/19</a:t>
             </a:fld>
             <a:endParaRPr lang="zh-CN" altLang="en-US"/>
           </a:p>
@@ -1021,7 +1029,7 @@
           <a:p>
             <a:fld id="{564D4755-CC2C-477D-A52D-7B85F863187A}" type="datetimeFigureOut">
               <a:rPr lang="zh-CN" altLang="en-US" smtClean="0"/>
-              <a:t>2018/12/10</a:t>
+              <a:t>2018/12/19</a:t>
             </a:fld>
             <a:endParaRPr lang="zh-CN" altLang="en-US"/>
           </a:p>
@@ -1253,7 +1261,7 @@
           <a:p>
             <a:fld id="{564D4755-CC2C-477D-A52D-7B85F863187A}" type="datetimeFigureOut">
               <a:rPr lang="zh-CN" altLang="en-US" smtClean="0"/>
-              <a:t>2018/12/10</a:t>
+              <a:t>2018/12/19</a:t>
             </a:fld>
             <a:endParaRPr lang="zh-CN" altLang="en-US"/>
           </a:p>
@@ -1620,7 +1628,7 @@
           <a:p>
             <a:fld id="{564D4755-CC2C-477D-A52D-7B85F863187A}" type="datetimeFigureOut">
               <a:rPr lang="zh-CN" altLang="en-US" smtClean="0"/>
-              <a:t>2018/12/10</a:t>
+              <a:t>2018/12/19</a:t>
             </a:fld>
             <a:endParaRPr lang="zh-CN" altLang="en-US"/>
           </a:p>
@@ -1738,7 +1746,7 @@
           <a:p>
             <a:fld id="{564D4755-CC2C-477D-A52D-7B85F863187A}" type="datetimeFigureOut">
               <a:rPr lang="zh-CN" altLang="en-US" smtClean="0"/>
-              <a:t>2018/12/10</a:t>
+              <a:t>2018/12/19</a:t>
             </a:fld>
             <a:endParaRPr lang="zh-CN" altLang="en-US"/>
           </a:p>
@@ -1833,7 +1841,7 @@
           <a:p>
             <a:fld id="{564D4755-CC2C-477D-A52D-7B85F863187A}" type="datetimeFigureOut">
               <a:rPr lang="zh-CN" altLang="en-US" smtClean="0"/>
-              <a:t>2018/12/10</a:t>
+              <a:t>2018/12/19</a:t>
             </a:fld>
             <a:endParaRPr lang="zh-CN" altLang="en-US"/>
           </a:p>
@@ -2110,7 +2118,7 @@
           <a:p>
             <a:fld id="{564D4755-CC2C-477D-A52D-7B85F863187A}" type="datetimeFigureOut">
               <a:rPr lang="zh-CN" altLang="en-US" smtClean="0"/>
-              <a:t>2018/12/10</a:t>
+              <a:t>2018/12/19</a:t>
             </a:fld>
             <a:endParaRPr lang="zh-CN" altLang="en-US"/>
           </a:p>
@@ -2363,7 +2371,7 @@
           <a:p>
             <a:fld id="{564D4755-CC2C-477D-A52D-7B85F863187A}" type="datetimeFigureOut">
               <a:rPr lang="zh-CN" altLang="en-US" smtClean="0"/>
-              <a:t>2018/12/10</a:t>
+              <a:t>2018/12/19</a:t>
             </a:fld>
             <a:endParaRPr lang="zh-CN" altLang="en-US"/>
           </a:p>
@@ -2576,7 +2584,7 @@
           <a:p>
             <a:fld id="{564D4755-CC2C-477D-A52D-7B85F863187A}" type="datetimeFigureOut">
               <a:rPr lang="zh-CN" altLang="en-US" smtClean="0"/>
-              <a:t>2018/12/10</a:t>
+              <a:t>2018/12/19</a:t>
             </a:fld>
             <a:endParaRPr lang="zh-CN" altLang="en-US"/>
           </a:p>
@@ -3025,9 +3033,19 @@
         </p:nvSpPr>
         <p:spPr/>
         <p:txBody>
-          <a:bodyPr/>
-          <a:lstStyle/>
-          <a:p>
+          <a:bodyPr>
+            <a:normAutofit/>
+          </a:bodyPr>
+          <a:lstStyle/>
+          <a:p>
+            <a:r>
+              <a:rPr lang="en-US" altLang="zh-CN" dirty="0" err="1"/>
+              <a:t>Yudelson</a:t>
+            </a:r>
+            <a:r>
+              <a:rPr lang="en-US" altLang="zh-CN" dirty="0"/>
+              <a:t> M, Koedinger K R, Gordon G J, et al. Individualized Bayesian Knowledge Tracing Models[C]. artificial intelligence in education, 2013: 171-180.</a:t>
+            </a:r>
             <a:endParaRPr lang="zh-CN" altLang="en-US" dirty="0"/>
           </a:p>
         </p:txBody>
@@ -3078,12 +3096,8 @@
           <a:lstStyle/>
           <a:p>
             <a:r>
-              <a:rPr lang="en-US" altLang="zh-CN" dirty="0"/>
-              <a:t>O</a:t>
-            </a:r>
-            <a:r>
-              <a:rPr lang="en-US" altLang="zh-CN" dirty="0" smtClean="0"/>
-              <a:t>ptimization techniques</a:t>
+              <a:rPr lang="en-US" altLang="zh-CN" dirty="0" smtClean="0"/>
+              <a:t>Methods</a:t>
             </a:r>
             <a:endParaRPr lang="zh-CN" altLang="en-US" dirty="0"/>
           </a:p>
@@ -3106,48 +3120,19 @@
           <a:p>
             <a:r>
               <a:rPr lang="en-US" altLang="zh-CN" dirty="0" smtClean="0"/>
-              <a:t>Negative log likelihood, J = -log(</a:t>
-            </a:r>
-            <a:r>
-              <a:rPr lang="en-US" altLang="zh-CN" dirty="0" err="1" smtClean="0"/>
-              <a:t>L</a:t>
-            </a:r>
-            <a:r>
-              <a:rPr lang="en-US" altLang="zh-CN" baseline="-25000" dirty="0" err="1" smtClean="0"/>
-              <a:t>tot</a:t>
-            </a:r>
-            <a:r>
-              <a:rPr lang="en-US" altLang="zh-CN" dirty="0" smtClean="0"/>
-              <a:t>).</a:t>
-            </a:r>
-          </a:p>
-          <a:p>
-            <a:r>
-              <a:rPr lang="en-US" altLang="zh-CN" dirty="0" err="1" smtClean="0"/>
-              <a:t>L</a:t>
-            </a:r>
-            <a:r>
-              <a:rPr lang="en-US" altLang="zh-CN" baseline="-25000" dirty="0" err="1" smtClean="0"/>
-              <a:t>tot</a:t>
-            </a:r>
-            <a:r>
-              <a:rPr lang="en-US" altLang="zh-CN" dirty="0" smtClean="0"/>
-              <a:t>:</a:t>
-            </a:r>
-          </a:p>
-          <a:p>
-            <a:pPr lvl="1"/>
-            <a:r>
-              <a:rPr lang="en-US" altLang="zh-CN" dirty="0" smtClean="0"/>
-              <a:t>The sum of all likelihoods p{O|</a:t>
-            </a:r>
-            <a:r>
-              <a:rPr lang="el-GR" altLang="zh-CN" dirty="0" smtClean="0"/>
-              <a:t>λ</a:t>
-            </a:r>
-            <a:r>
-              <a:rPr lang="en-US" altLang="zh-CN" dirty="0" smtClean="0"/>
-              <a:t>} for all student-skill practice sequences in our data.</a:t>
+              <a:t>Unify and extend prior work on individualized BKT models.</a:t>
+            </a:r>
+          </a:p>
+          <a:p>
+            <a:r>
+              <a:rPr lang="en-US" altLang="zh-CN" dirty="0" smtClean="0"/>
+              <a:t>Construct four variants of individualized BKT models.</a:t>
+            </a:r>
+          </a:p>
+          <a:p>
+            <a:r>
+              <a:rPr lang="en-US" altLang="zh-CN" dirty="0" smtClean="0"/>
+              <a:t>Rank the constructed models with respect to predictive accuracy on unseen data.</a:t>
             </a:r>
             <a:endParaRPr lang="zh-CN" altLang="en-US" dirty="0"/>
           </a:p>
@@ -3156,7 +3141,7 @@
     </p:spTree>
     <p:extLst>
       <p:ext uri="{BB962C8B-B14F-4D97-AF65-F5344CB8AC3E}">
-        <p14:creationId xmlns:p14="http://schemas.microsoft.com/office/powerpoint/2010/main" val="3236249097"/>
+        <p14:creationId xmlns:p14="http://schemas.microsoft.com/office/powerpoint/2010/main" val="3213607976"/>
       </p:ext>
     </p:extLst>
   </p:cSld>
@@ -3200,8 +3185,216 @@
           <a:p>
             <a:r>
               <a:rPr lang="en-US" altLang="zh-CN" dirty="0" smtClean="0"/>
-              <a:t>Optimization techniques</a:t>
-            </a:r>
+              <a:t>Not use EM</a:t>
+            </a:r>
+            <a:endParaRPr lang="zh-CN" altLang="en-US" dirty="0"/>
+          </a:p>
+        </p:txBody>
+      </p:sp>
+      <p:sp>
+        <p:nvSpPr>
+          <p:cNvPr id="3" name="内容占位符 2"/>
+          <p:cNvSpPr>
+            <a:spLocks noGrp="1"/>
+          </p:cNvSpPr>
+          <p:nvPr>
+            <p:ph idx="1"/>
+          </p:nvPr>
+        </p:nvSpPr>
+        <p:spPr/>
+        <p:txBody>
+          <a:bodyPr/>
+          <a:lstStyle/>
+          <a:p>
+            <a:r>
+              <a:rPr lang="en-US" altLang="zh-CN" dirty="0" smtClean="0"/>
+              <a:t>EM not directly optimize a likelihood of the student observations .</a:t>
+            </a:r>
+          </a:p>
+          <a:p>
+            <a:r>
+              <a:rPr lang="en-US" altLang="zh-CN" dirty="0" smtClean="0">
+                <a:solidFill>
+                  <a:srgbClr val="FF0000"/>
+                </a:solidFill>
+              </a:rPr>
+              <a:t>EM could make adjustments to BKT parameters that would actually worsen the fit.</a:t>
+            </a:r>
+          </a:p>
+          <a:p>
+            <a:endParaRPr lang="en-US" altLang="zh-CN" dirty="0"/>
+          </a:p>
+          <a:p>
+            <a:r>
+              <a:rPr lang="en-US" altLang="zh-CN" dirty="0" smtClean="0"/>
+              <a:t>Using gradient-based optimization techniques allows us to introduce students-specific parameters to BKT without expanding the structure of the underlying HMM.</a:t>
+            </a:r>
+            <a:endParaRPr lang="zh-CN" altLang="en-US" dirty="0"/>
+          </a:p>
+        </p:txBody>
+      </p:sp>
+    </p:spTree>
+    <p:extLst>
+      <p:ext uri="{BB962C8B-B14F-4D97-AF65-F5344CB8AC3E}">
+        <p14:creationId xmlns:p14="http://schemas.microsoft.com/office/powerpoint/2010/main" val="2925354745"/>
+      </p:ext>
+    </p:extLst>
+  </p:cSld>
+  <p:clrMapOvr>
+    <a:masterClrMapping/>
+  </p:clrMapOvr>
+</p:sld>
+</file>
+
+<file path=ppt/slides/slide12.xml><?xml version="1.0" encoding="utf-8"?>
+<p:sld xmlns:a="http://schemas.openxmlformats.org/drawingml/2006/main" xmlns:r="http://schemas.openxmlformats.org/officeDocument/2006/relationships" xmlns:p="http://schemas.openxmlformats.org/presentationml/2006/main">
+  <p:cSld>
+    <p:spTree>
+      <p:nvGrpSpPr>
+        <p:cNvPr id="1" name=""/>
+        <p:cNvGrpSpPr/>
+        <p:nvPr/>
+      </p:nvGrpSpPr>
+      <p:grpSpPr>
+        <a:xfrm>
+          <a:off x="0" y="0"/>
+          <a:ext cx="0" cy="0"/>
+          <a:chOff x="0" y="0"/>
+          <a:chExt cx="0" cy="0"/>
+        </a:xfrm>
+      </p:grpSpPr>
+      <p:sp>
+        <p:nvSpPr>
+          <p:cNvPr id="2" name="标题 1"/>
+          <p:cNvSpPr>
+            <a:spLocks noGrp="1"/>
+          </p:cNvSpPr>
+          <p:nvPr>
+            <p:ph type="title"/>
+          </p:nvPr>
+        </p:nvSpPr>
+        <p:spPr/>
+        <p:txBody>
+          <a:bodyPr/>
+          <a:lstStyle/>
+          <a:p>
+            <a:endParaRPr lang="zh-CN" altLang="en-US" dirty="0"/>
+          </a:p>
+        </p:txBody>
+      </p:sp>
+      <p:sp>
+        <p:nvSpPr>
+          <p:cNvPr id="3" name="内容占位符 2"/>
+          <p:cNvSpPr>
+            <a:spLocks noGrp="1"/>
+          </p:cNvSpPr>
+          <p:nvPr>
+            <p:ph idx="1"/>
+          </p:nvPr>
+        </p:nvSpPr>
+        <p:spPr/>
+        <p:txBody>
+          <a:bodyPr/>
+          <a:lstStyle/>
+          <a:p>
+            <a:r>
+              <a:rPr lang="en-US" altLang="zh-CN" dirty="0" smtClean="0"/>
+              <a:t>objective function: negative </a:t>
+            </a:r>
+            <a:r>
+              <a:rPr lang="en-US" altLang="zh-CN" dirty="0" smtClean="0"/>
+              <a:t>log likelihood, J = -log(</a:t>
+            </a:r>
+            <a:r>
+              <a:rPr lang="en-US" altLang="zh-CN" dirty="0" err="1" smtClean="0"/>
+              <a:t>L</a:t>
+            </a:r>
+            <a:r>
+              <a:rPr lang="en-US" altLang="zh-CN" baseline="-25000" dirty="0" err="1" smtClean="0"/>
+              <a:t>tot</a:t>
+            </a:r>
+            <a:r>
+              <a:rPr lang="en-US" altLang="zh-CN" dirty="0" smtClean="0"/>
+              <a:t>).</a:t>
+            </a:r>
+          </a:p>
+          <a:p>
+            <a:r>
+              <a:rPr lang="en-US" altLang="zh-CN" dirty="0" err="1" smtClean="0"/>
+              <a:t>L</a:t>
+            </a:r>
+            <a:r>
+              <a:rPr lang="en-US" altLang="zh-CN" baseline="-25000" dirty="0" err="1" smtClean="0"/>
+              <a:t>tot</a:t>
+            </a:r>
+            <a:r>
+              <a:rPr lang="en-US" altLang="zh-CN" dirty="0" smtClean="0"/>
+              <a:t>:</a:t>
+            </a:r>
+          </a:p>
+          <a:p>
+            <a:pPr lvl="1"/>
+            <a:r>
+              <a:rPr lang="en-US" altLang="zh-CN" dirty="0" smtClean="0"/>
+              <a:t>The sum of all likelihoods p{O|</a:t>
+            </a:r>
+            <a:r>
+              <a:rPr lang="el-GR" altLang="zh-CN" dirty="0" smtClean="0"/>
+              <a:t>λ</a:t>
+            </a:r>
+            <a:r>
+              <a:rPr lang="en-US" altLang="zh-CN" dirty="0" smtClean="0"/>
+              <a:t>} for all student-skill practice sequences in our data.</a:t>
+            </a:r>
+            <a:endParaRPr lang="zh-CN" altLang="en-US" dirty="0"/>
+          </a:p>
+        </p:txBody>
+      </p:sp>
+    </p:spTree>
+    <p:extLst>
+      <p:ext uri="{BB962C8B-B14F-4D97-AF65-F5344CB8AC3E}">
+        <p14:creationId xmlns:p14="http://schemas.microsoft.com/office/powerpoint/2010/main" val="3236249097"/>
+      </p:ext>
+    </p:extLst>
+  </p:cSld>
+  <p:clrMapOvr>
+    <a:masterClrMapping/>
+  </p:clrMapOvr>
+</p:sld>
+</file>
+
+<file path=ppt/slides/slide13.xml><?xml version="1.0" encoding="utf-8"?>
+<p:sld xmlns:a="http://schemas.openxmlformats.org/drawingml/2006/main" xmlns:r="http://schemas.openxmlformats.org/officeDocument/2006/relationships" xmlns:p="http://schemas.openxmlformats.org/presentationml/2006/main">
+  <p:cSld>
+    <p:spTree>
+      <p:nvGrpSpPr>
+        <p:cNvPr id="1" name=""/>
+        <p:cNvGrpSpPr/>
+        <p:nvPr/>
+      </p:nvGrpSpPr>
+      <p:grpSpPr>
+        <a:xfrm>
+          <a:off x="0" y="0"/>
+          <a:ext cx="0" cy="0"/>
+          <a:chOff x="0" y="0"/>
+          <a:chExt cx="0" cy="0"/>
+        </a:xfrm>
+      </p:grpSpPr>
+      <p:sp>
+        <p:nvSpPr>
+          <p:cNvPr id="2" name="标题 1"/>
+          <p:cNvSpPr>
+            <a:spLocks noGrp="1"/>
+          </p:cNvSpPr>
+          <p:nvPr>
+            <p:ph type="title"/>
+          </p:nvPr>
+        </p:nvSpPr>
+        <p:spPr/>
+        <p:txBody>
+          <a:bodyPr/>
+          <a:lstStyle/>
+          <a:p>
             <a:endParaRPr lang="zh-CN" altLang="en-US" dirty="0"/>
           </a:p>
         </p:txBody>
@@ -3279,7 +3472,7 @@
 </p:sld>
 </file>
 
-<file path=ppt/slides/slide12.xml><?xml version="1.0" encoding="utf-8"?>
+<file path=ppt/slides/slide14.xml><?xml version="1.0" encoding="utf-8"?>
 <p:sld xmlns:a="http://schemas.openxmlformats.org/drawingml/2006/main" xmlns:r="http://schemas.openxmlformats.org/officeDocument/2006/relationships" xmlns:p="http://schemas.openxmlformats.org/presentationml/2006/main">
   <p:cSld>
     <p:spTree>
@@ -3485,7 +3678,7 @@
 </p:sld>
 </file>
 
-<file path=ppt/slides/slide13.xml><?xml version="1.0" encoding="utf-8"?>
+<file path=ppt/slides/slide15.xml><?xml version="1.0" encoding="utf-8"?>
 <p:sld xmlns:a="http://schemas.openxmlformats.org/drawingml/2006/main" xmlns:r="http://schemas.openxmlformats.org/officeDocument/2006/relationships" xmlns:p="http://schemas.openxmlformats.org/presentationml/2006/main">
   <p:cSld>
     <p:spTree>
@@ -3549,11 +3742,7 @@
             <a:pPr lvl="1"/>
             <a:r>
               <a:rPr lang="en-US" altLang="zh-CN" dirty="0" smtClean="0"/>
-              <a:t>3310 students, </a:t>
-            </a:r>
-            <a:r>
-              <a:rPr lang="en-US" altLang="zh-CN" dirty="0" smtClean="0"/>
-              <a:t>8918054 rows.</a:t>
+              <a:t>3310 students, 8918054 rows.</a:t>
             </a:r>
           </a:p>
           <a:p>
@@ -3617,7 +3806,7 @@
 </p:sld>
 </file>
 
-<file path=ppt/slides/slide14.xml><?xml version="1.0" encoding="utf-8"?>
+<file path=ppt/slides/slide16.xml><?xml version="1.0" encoding="utf-8"?>
 <p:sld xmlns:a="http://schemas.openxmlformats.org/drawingml/2006/main" xmlns:r="http://schemas.openxmlformats.org/officeDocument/2006/relationships" xmlns:p="http://schemas.openxmlformats.org/presentationml/2006/main">
   <p:cSld>
     <p:spTree>
@@ -3727,7 +3916,7 @@
 </p:sld>
 </file>
 
-<file path=ppt/slides/slide15.xml><?xml version="1.0" encoding="utf-8"?>
+<file path=ppt/slides/slide17.xml><?xml version="1.0" encoding="utf-8"?>
 <p:sld xmlns:a="http://schemas.openxmlformats.org/drawingml/2006/main" xmlns:r="http://schemas.openxmlformats.org/officeDocument/2006/relationships" xmlns:p="http://schemas.openxmlformats.org/presentationml/2006/main">
   <p:cSld>
     <p:spTree>
@@ -3809,7 +3998,7 @@
 </p:sld>
 </file>
 
-<file path=ppt/slides/slide16.xml><?xml version="1.0" encoding="utf-8"?>
+<file path=ppt/slides/slide18.xml><?xml version="1.0" encoding="utf-8"?>
 <p:sld xmlns:a="http://schemas.openxmlformats.org/drawingml/2006/main" xmlns:r="http://schemas.openxmlformats.org/officeDocument/2006/relationships" xmlns:p="http://schemas.openxmlformats.org/presentationml/2006/main">
   <p:cSld>
     <p:spTree>
@@ -3924,7 +4113,7 @@
 </p:sld>
 </file>
 
-<file path=ppt/slides/slide17.xml><?xml version="1.0" encoding="utf-8"?>
+<file path=ppt/slides/slide19.xml><?xml version="1.0" encoding="utf-8"?>
 <p:sld xmlns:a="http://schemas.openxmlformats.org/drawingml/2006/main" xmlns:r="http://schemas.openxmlformats.org/officeDocument/2006/relationships" xmlns:p="http://schemas.openxmlformats.org/presentationml/2006/main">
   <p:cSld>
     <p:spTree>
@@ -4003,100 +4192,6 @@
 </p:sld>
 </file>
 
-<file path=ppt/slides/slide18.xml><?xml version="1.0" encoding="utf-8"?>
-<p:sld xmlns:a="http://schemas.openxmlformats.org/drawingml/2006/main" xmlns:r="http://schemas.openxmlformats.org/officeDocument/2006/relationships" xmlns:p="http://schemas.openxmlformats.org/presentationml/2006/main">
-  <p:cSld>
-    <p:spTree>
-      <p:nvGrpSpPr>
-        <p:cNvPr id="1" name=""/>
-        <p:cNvGrpSpPr/>
-        <p:nvPr/>
-      </p:nvGrpSpPr>
-      <p:grpSpPr>
-        <a:xfrm>
-          <a:off x="0" y="0"/>
-          <a:ext cx="0" cy="0"/>
-          <a:chOff x="0" y="0"/>
-          <a:chExt cx="0" cy="0"/>
-        </a:xfrm>
-      </p:grpSpPr>
-      <p:sp>
-        <p:nvSpPr>
-          <p:cNvPr id="2" name="标题 1"/>
-          <p:cNvSpPr>
-            <a:spLocks noGrp="1"/>
-          </p:cNvSpPr>
-          <p:nvPr>
-            <p:ph type="title"/>
-          </p:nvPr>
-        </p:nvSpPr>
-        <p:spPr/>
-        <p:txBody>
-          <a:bodyPr/>
-          <a:lstStyle/>
-          <a:p>
-            <a:r>
-              <a:rPr lang="en-US" altLang="zh-CN" dirty="0" smtClean="0"/>
-              <a:t>Results</a:t>
-            </a:r>
-            <a:endParaRPr lang="zh-CN" altLang="en-US" dirty="0"/>
-          </a:p>
-        </p:txBody>
-      </p:sp>
-      <p:sp>
-        <p:nvSpPr>
-          <p:cNvPr id="3" name="内容占位符 2"/>
-          <p:cNvSpPr>
-            <a:spLocks noGrp="1"/>
-          </p:cNvSpPr>
-          <p:nvPr>
-            <p:ph idx="1"/>
-          </p:nvPr>
-        </p:nvSpPr>
-        <p:spPr/>
-        <p:txBody>
-          <a:bodyPr/>
-          <a:lstStyle/>
-          <a:p>
-            <a:r>
-              <a:rPr lang="en-US" altLang="zh-CN" dirty="0" smtClean="0"/>
-              <a:t>student-specific a priori p(L</a:t>
-            </a:r>
-            <a:r>
-              <a:rPr lang="en-US" altLang="zh-CN" baseline="-25000" dirty="0" smtClean="0"/>
-              <a:t>0</a:t>
-            </a:r>
-            <a:r>
-              <a:rPr lang="en-US" altLang="zh-CN" dirty="0" smtClean="0"/>
-              <a:t>) has no effect on model performance.</a:t>
-            </a:r>
-          </a:p>
-          <a:p>
-            <a:r>
-              <a:rPr lang="en-US" altLang="zh-CN" smtClean="0"/>
-              <a:t>Individualized </a:t>
-            </a:r>
-            <a:r>
-              <a:rPr lang="en-US" altLang="zh-CN" dirty="0" smtClean="0"/>
-              <a:t>p(T) can be considered superior to the standard BKT and other individualized models.</a:t>
-            </a:r>
-            <a:endParaRPr lang="zh-CN" altLang="en-US" dirty="0"/>
-          </a:p>
-        </p:txBody>
-      </p:sp>
-    </p:spTree>
-    <p:extLst>
-      <p:ext uri="{BB962C8B-B14F-4D97-AF65-F5344CB8AC3E}">
-        <p14:creationId xmlns:p14="http://schemas.microsoft.com/office/powerpoint/2010/main" val="2873444158"/>
-      </p:ext>
-    </p:extLst>
-  </p:cSld>
-  <p:clrMapOvr>
-    <a:masterClrMapping/>
-  </p:clrMapOvr>
-</p:sld>
-</file>
-
 <file path=ppt/slides/slide2.xml><?xml version="1.0" encoding="utf-8"?>
 <p:sld xmlns:a="http://schemas.openxmlformats.org/drawingml/2006/main" xmlns:r="http://schemas.openxmlformats.org/officeDocument/2006/relationships" xmlns:p="http://schemas.openxmlformats.org/presentationml/2006/main">
   <p:cSld>
@@ -4201,6 +4296,172 @@
     <p:extLst>
       <p:ext uri="{BB962C8B-B14F-4D97-AF65-F5344CB8AC3E}">
         <p14:creationId xmlns:p14="http://schemas.microsoft.com/office/powerpoint/2010/main" val="1502281249"/>
+      </p:ext>
+    </p:extLst>
+  </p:cSld>
+  <p:clrMapOvr>
+    <a:masterClrMapping/>
+  </p:clrMapOvr>
+</p:sld>
+</file>
+
+<file path=ppt/slides/slide20.xml><?xml version="1.0" encoding="utf-8"?>
+<p:sld xmlns:a="http://schemas.openxmlformats.org/drawingml/2006/main" xmlns:r="http://schemas.openxmlformats.org/officeDocument/2006/relationships" xmlns:p="http://schemas.openxmlformats.org/presentationml/2006/main">
+  <p:cSld>
+    <p:spTree>
+      <p:nvGrpSpPr>
+        <p:cNvPr id="1" name=""/>
+        <p:cNvGrpSpPr/>
+        <p:nvPr/>
+      </p:nvGrpSpPr>
+      <p:grpSpPr>
+        <a:xfrm>
+          <a:off x="0" y="0"/>
+          <a:ext cx="0" cy="0"/>
+          <a:chOff x="0" y="0"/>
+          <a:chExt cx="0" cy="0"/>
+        </a:xfrm>
+      </p:grpSpPr>
+      <p:sp>
+        <p:nvSpPr>
+          <p:cNvPr id="2" name="标题 1"/>
+          <p:cNvSpPr>
+            <a:spLocks noGrp="1"/>
+          </p:cNvSpPr>
+          <p:nvPr>
+            <p:ph type="title"/>
+          </p:nvPr>
+        </p:nvSpPr>
+        <p:spPr/>
+        <p:txBody>
+          <a:bodyPr/>
+          <a:lstStyle/>
+          <a:p>
+            <a:r>
+              <a:rPr lang="en-US" altLang="zh-CN" dirty="0" smtClean="0"/>
+              <a:t>Results</a:t>
+            </a:r>
+            <a:endParaRPr lang="zh-CN" altLang="en-US" dirty="0"/>
+          </a:p>
+        </p:txBody>
+      </p:sp>
+      <p:sp>
+        <p:nvSpPr>
+          <p:cNvPr id="3" name="内容占位符 2"/>
+          <p:cNvSpPr>
+            <a:spLocks noGrp="1"/>
+          </p:cNvSpPr>
+          <p:nvPr>
+            <p:ph idx="1"/>
+          </p:nvPr>
+        </p:nvSpPr>
+        <p:spPr/>
+        <p:txBody>
+          <a:bodyPr/>
+          <a:lstStyle/>
+          <a:p>
+            <a:r>
+              <a:rPr lang="en-US" altLang="zh-CN" dirty="0" smtClean="0"/>
+              <a:t>student-specific a priori p(L</a:t>
+            </a:r>
+            <a:r>
+              <a:rPr lang="en-US" altLang="zh-CN" baseline="-25000" dirty="0" smtClean="0"/>
+              <a:t>0</a:t>
+            </a:r>
+            <a:r>
+              <a:rPr lang="en-US" altLang="zh-CN" dirty="0" smtClean="0"/>
+              <a:t>) has no effect on model performance.</a:t>
+            </a:r>
+          </a:p>
+          <a:p>
+            <a:r>
+              <a:rPr lang="en-US" altLang="zh-CN" smtClean="0"/>
+              <a:t>Individualized </a:t>
+            </a:r>
+            <a:r>
+              <a:rPr lang="en-US" altLang="zh-CN" dirty="0" smtClean="0"/>
+              <a:t>p(T) can be considered superior to the standard BKT and other individualized models.</a:t>
+            </a:r>
+            <a:endParaRPr lang="zh-CN" altLang="en-US" dirty="0"/>
+          </a:p>
+        </p:txBody>
+      </p:sp>
+    </p:spTree>
+    <p:extLst>
+      <p:ext uri="{BB962C8B-B14F-4D97-AF65-F5344CB8AC3E}">
+        <p14:creationId xmlns:p14="http://schemas.microsoft.com/office/powerpoint/2010/main" val="2873444158"/>
+      </p:ext>
+    </p:extLst>
+  </p:cSld>
+  <p:clrMapOvr>
+    <a:masterClrMapping/>
+  </p:clrMapOvr>
+</p:sld>
+</file>
+
+<file path=ppt/slides/slide21.xml><?xml version="1.0" encoding="utf-8"?>
+<p:sld xmlns:a="http://schemas.openxmlformats.org/drawingml/2006/main" xmlns:r="http://schemas.openxmlformats.org/officeDocument/2006/relationships" xmlns:p="http://schemas.openxmlformats.org/presentationml/2006/main">
+  <p:cSld>
+    <p:spTree>
+      <p:nvGrpSpPr>
+        <p:cNvPr id="1" name=""/>
+        <p:cNvGrpSpPr/>
+        <p:nvPr/>
+      </p:nvGrpSpPr>
+      <p:grpSpPr>
+        <a:xfrm>
+          <a:off x="0" y="0"/>
+          <a:ext cx="0" cy="0"/>
+          <a:chOff x="0" y="0"/>
+          <a:chExt cx="0" cy="0"/>
+        </a:xfrm>
+      </p:grpSpPr>
+      <p:sp>
+        <p:nvSpPr>
+          <p:cNvPr id="2" name="标题 1"/>
+          <p:cNvSpPr>
+            <a:spLocks noGrp="1"/>
+          </p:cNvSpPr>
+          <p:nvPr>
+            <p:ph type="title"/>
+          </p:nvPr>
+        </p:nvSpPr>
+        <p:spPr/>
+        <p:txBody>
+          <a:bodyPr/>
+          <a:lstStyle/>
+          <a:p>
+            <a:r>
+              <a:rPr lang="en-US" altLang="zh-CN" dirty="0" smtClean="0"/>
+              <a:t>Conclusions</a:t>
+            </a:r>
+            <a:endParaRPr lang="zh-CN" altLang="en-US" dirty="0"/>
+          </a:p>
+        </p:txBody>
+      </p:sp>
+      <p:sp>
+        <p:nvSpPr>
+          <p:cNvPr id="3" name="内容占位符 2"/>
+          <p:cNvSpPr>
+            <a:spLocks noGrp="1"/>
+          </p:cNvSpPr>
+          <p:nvPr>
+            <p:ph idx="1"/>
+          </p:nvPr>
+        </p:nvSpPr>
+        <p:spPr/>
+        <p:txBody>
+          <a:bodyPr/>
+          <a:lstStyle/>
+          <a:p>
+            <a:endParaRPr lang="zh-CN" altLang="en-US"/>
+          </a:p>
+        </p:txBody>
+      </p:sp>
+    </p:spTree>
+    <p:extLst>
+      <p:ext uri="{BB962C8B-B14F-4D97-AF65-F5344CB8AC3E}">
+        <p14:creationId xmlns:p14="http://schemas.microsoft.com/office/powerpoint/2010/main" val="587669544"/>
       </p:ext>
     </p:extLst>
   </p:cSld>
@@ -4244,7 +4505,7 @@
           <a:p>
             <a:r>
               <a:rPr lang="en-US" altLang="zh-CN" dirty="0" smtClean="0"/>
-              <a:t>Improvement</a:t>
+              <a:t>Introduction</a:t>
             </a:r>
             <a:endParaRPr lang="zh-CN" altLang="en-US" dirty="0"/>
           </a:p>
@@ -4267,14 +4528,26 @@
           <a:p>
             <a:r>
               <a:rPr lang="en-US" altLang="zh-CN" dirty="0" smtClean="0"/>
-              <a:t>In a more systematic manner</a:t>
+              <a:t>Before individualized </a:t>
+            </a:r>
+            <a:r>
+              <a:rPr lang="en-US" altLang="zh-CN" dirty="0" err="1" smtClean="0"/>
+              <a:t>bkt</a:t>
+            </a:r>
+            <a:r>
+              <a:rPr lang="en-US" altLang="zh-CN" dirty="0" smtClean="0"/>
+              <a:t> models</a:t>
             </a:r>
           </a:p>
           <a:p>
             <a:pPr lvl="1"/>
             <a:r>
               <a:rPr lang="en-US" altLang="zh-CN" dirty="0" smtClean="0"/>
-              <a:t>Quite different approaches to defining and </a:t>
+              <a:t>Quite </a:t>
+            </a:r>
+            <a:r>
+              <a:rPr lang="en-US" altLang="zh-CN" dirty="0" smtClean="0"/>
+              <a:t>different approaches to defining and </a:t>
             </a:r>
             <a:r>
               <a:rPr lang="en-US" altLang="zh-CN" dirty="0" err="1" smtClean="0"/>
@@ -4289,17 +4562,58 @@
             <a:pPr lvl="1"/>
             <a:r>
               <a:rPr lang="en-US" altLang="zh-CN" dirty="0" smtClean="0"/>
-              <a:t>Report radically different performance measures</a:t>
-            </a:r>
-          </a:p>
-          <a:p>
-            <a:r>
-              <a:rPr lang="en-US" altLang="zh-CN" dirty="0" smtClean="0"/>
-              <a:t>In an incremental manner</a:t>
-            </a:r>
+              <a:t>Report radically different performance </a:t>
+            </a:r>
+            <a:r>
+              <a:rPr lang="en-US" altLang="zh-CN" dirty="0" smtClean="0"/>
+              <a:t>measures</a:t>
+            </a:r>
+          </a:p>
+          <a:p>
+            <a:pPr marL="0" indent="0">
+              <a:buNone/>
+            </a:pPr>
+            <a:endParaRPr lang="en-US" altLang="zh-CN" dirty="0" smtClean="0"/>
+          </a:p>
+          <a:p>
+            <a:pPr marL="0" indent="0">
+              <a:buNone/>
+            </a:pPr>
+            <a:r>
+              <a:rPr lang="en-US" altLang="zh-CN" dirty="0" smtClean="0"/>
+              <a:t>This paper </a:t>
+            </a:r>
+            <a:endParaRPr lang="en-US" altLang="zh-CN" dirty="0" smtClean="0"/>
           </a:p>
           <a:p>
             <a:pPr lvl="1"/>
+            <a:r>
+              <a:rPr lang="en-US" altLang="zh-CN" dirty="0" smtClean="0"/>
+              <a:t>In </a:t>
+            </a:r>
+            <a:r>
+              <a:rPr lang="en-US" altLang="zh-CN" dirty="0"/>
+              <a:t>a more systematic </a:t>
+            </a:r>
+            <a:r>
+              <a:rPr lang="en-US" altLang="zh-CN" dirty="0" smtClean="0"/>
+              <a:t>manner</a:t>
+            </a:r>
+            <a:endParaRPr lang="en-US" altLang="zh-CN" dirty="0" smtClean="0"/>
+          </a:p>
+          <a:p>
+            <a:pPr lvl="1"/>
+            <a:r>
+              <a:rPr lang="en-US" altLang="zh-CN" dirty="0" smtClean="0"/>
+              <a:t>In </a:t>
+            </a:r>
+            <a:r>
+              <a:rPr lang="en-US" altLang="zh-CN" dirty="0" smtClean="0"/>
+              <a:t>an incremental manner</a:t>
+            </a:r>
+          </a:p>
+          <a:p>
+            <a:pPr lvl="2"/>
             <a:r>
               <a:rPr lang="en-US" altLang="zh-CN" dirty="0" smtClean="0"/>
               <a:t>Adding student-specific parameters in batches</a:t>
@@ -4355,7 +4669,7 @@
           <a:p>
             <a:r>
               <a:rPr lang="en-US" altLang="zh-CN" dirty="0" smtClean="0"/>
-              <a:t>Original BKT</a:t>
+              <a:t>Related Work: Bayesian Knowledge Tracing</a:t>
             </a:r>
             <a:endParaRPr lang="zh-CN" altLang="en-US" dirty="0"/>
           </a:p>
@@ -4378,41 +4692,61 @@
           <a:p>
             <a:r>
               <a:rPr lang="en-US" altLang="zh-CN" dirty="0" smtClean="0"/>
-              <a:t>Skill parameters</a:t>
+              <a:t>four types of parameters:</a:t>
             </a:r>
           </a:p>
           <a:p>
             <a:pPr lvl="1"/>
             <a:r>
               <a:rPr lang="en-US" altLang="zh-CN" dirty="0" smtClean="0"/>
-              <a:t>Data of all students practicing skill k</a:t>
-            </a:r>
-          </a:p>
-          <a:p>
-            <a:r>
-              <a:rPr lang="en-US" altLang="zh-CN" dirty="0" smtClean="0"/>
-              <a:t>Student parameters</a:t>
+              <a:t>p(L</a:t>
+            </a:r>
+            <a:r>
+              <a:rPr lang="en-US" altLang="zh-CN" baseline="-25000" dirty="0" smtClean="0"/>
+              <a:t>0</a:t>
+            </a:r>
+            <a:r>
+              <a:rPr lang="en-US" altLang="zh-CN" dirty="0" smtClean="0"/>
+              <a:t>)</a:t>
             </a:r>
           </a:p>
           <a:p>
             <a:pPr lvl="1"/>
             <a:r>
-              <a:rPr lang="en-US" altLang="zh-CN" dirty="0" smtClean="0"/>
-              <a:t>All data of student u</a:t>
-            </a:r>
-          </a:p>
-          <a:p>
-            <a:r>
-              <a:rPr lang="en-US" altLang="zh-CN" dirty="0" smtClean="0"/>
-              <a:t>Using a special function to combine skill parameters and student parameters yield a value to be used for updating the probability of skill mastery.</a:t>
-            </a:r>
+              <a:rPr lang="en-US" altLang="zh-CN" dirty="0" err="1" smtClean="0"/>
+              <a:t>pT</a:t>
+            </a:r>
+            <a:endParaRPr lang="en-US" altLang="zh-CN" dirty="0" smtClean="0"/>
+          </a:p>
+          <a:p>
+            <a:pPr lvl="1"/>
+            <a:r>
+              <a:rPr lang="en-US" altLang="zh-CN" dirty="0" smtClean="0"/>
+              <a:t>pF</a:t>
+            </a:r>
+          </a:p>
+          <a:p>
+            <a:pPr lvl="1"/>
+            <a:r>
+              <a:rPr lang="en-US" altLang="zh-CN" dirty="0" err="1" smtClean="0"/>
+              <a:t>pG</a:t>
+            </a:r>
+            <a:endParaRPr lang="en-US" altLang="zh-CN" dirty="0" smtClean="0"/>
+          </a:p>
+          <a:p>
+            <a:pPr lvl="1"/>
+            <a:r>
+              <a:rPr lang="en-US" altLang="zh-CN" dirty="0" err="1" smtClean="0"/>
+              <a:t>pS</a:t>
+            </a:r>
+            <a:endParaRPr lang="zh-CN" altLang="en-US" dirty="0"/>
           </a:p>
         </p:txBody>
       </p:sp>
     </p:spTree>
     <p:extLst>
       <p:ext uri="{BB962C8B-B14F-4D97-AF65-F5344CB8AC3E}">
-        <p14:creationId xmlns:p14="http://schemas.microsoft.com/office/powerpoint/2010/main" val="2987298641"/>
+        <p14:creationId xmlns:p14="http://schemas.microsoft.com/office/powerpoint/2010/main" val="1404063663"/>
       </p:ext>
     </p:extLst>
   </p:cSld>
@@ -4456,7 +4790,7 @@
           <a:p>
             <a:r>
               <a:rPr lang="en-US" altLang="zh-CN" dirty="0" smtClean="0"/>
-              <a:t>Original BKT</a:t>
+              <a:t>Student-specific  Parameters in BKT</a:t>
             </a:r>
             <a:endParaRPr lang="zh-CN" altLang="en-US" dirty="0"/>
           </a:p>
@@ -4479,22 +4813,29 @@
           <a:p>
             <a:r>
               <a:rPr lang="en-US" altLang="zh-CN" dirty="0" smtClean="0"/>
-              <a:t>Better correlation </a:t>
-            </a:r>
-            <a:r>
-              <a:rPr lang="en-US" altLang="zh-CN" dirty="0" smtClean="0"/>
-              <a:t>between </a:t>
-            </a:r>
+              <a:t>student proficiency: student prior ability</a:t>
+            </a:r>
+          </a:p>
+          <a:p>
+            <a:pPr lvl="1"/>
             <a:r>
               <a:rPr lang="en-US" altLang="zh-CN" dirty="0"/>
-              <a:t>actual and expected accuracy across students</a:t>
-            </a:r>
-            <a:endParaRPr lang="en-US" altLang="zh-CN" dirty="0" smtClean="0"/>
-          </a:p>
-          <a:p>
-            <a:r>
-              <a:rPr lang="en-US" altLang="zh-CN" dirty="0" smtClean="0"/>
-              <a:t>Accuracy of predicting test scores  not improve tangibly</a:t>
+              <a:t>logistic regression: </a:t>
+            </a:r>
+            <a:r>
+              <a:rPr lang="en-US" altLang="zh-CN" dirty="0" err="1"/>
+              <a:t>Rasch</a:t>
+            </a:r>
+            <a:r>
+              <a:rPr lang="en-US" altLang="zh-CN" dirty="0"/>
+              <a:t> model (1PL IRT)</a:t>
+            </a:r>
+          </a:p>
+          <a:p>
+            <a:pPr lvl="1"/>
+            <a:r>
+              <a:rPr lang="en-US" altLang="zh-CN" dirty="0"/>
+              <a:t>Additive Factors Models</a:t>
             </a:r>
           </a:p>
           <a:p>
@@ -4505,7 +4846,7 @@
     </p:spTree>
     <p:extLst>
       <p:ext uri="{BB962C8B-B14F-4D97-AF65-F5344CB8AC3E}">
-        <p14:creationId xmlns:p14="http://schemas.microsoft.com/office/powerpoint/2010/main" val="3683880969"/>
+        <p14:creationId xmlns:p14="http://schemas.microsoft.com/office/powerpoint/2010/main" val="839771803"/>
       </p:ext>
     </p:extLst>
   </p:cSld>
@@ -4548,28 +4889,8 @@
           <a:lstStyle/>
           <a:p>
             <a:r>
-              <a:rPr lang="en-US" altLang="zh-CN" dirty="0" err="1"/>
-              <a:t>Pardos</a:t>
-            </a:r>
-            <a:r>
-              <a:rPr lang="en-US" altLang="zh-CN" dirty="0"/>
-              <a:t> and </a:t>
-            </a:r>
-            <a:r>
-              <a:rPr lang="en-US" altLang="zh-CN" dirty="0" err="1" smtClean="0"/>
-              <a:t>Heernan</a:t>
-            </a:r>
-            <a:r>
-              <a:rPr lang="en-US" altLang="zh-CN" dirty="0" smtClean="0"/>
-              <a:t> individualized P(L</a:t>
-            </a:r>
-            <a:r>
-              <a:rPr lang="en-US" altLang="zh-CN" baseline="-25000" dirty="0" smtClean="0"/>
-              <a:t>0</a:t>
-            </a:r>
-            <a:r>
-              <a:rPr lang="en-US" altLang="zh-CN" dirty="0" smtClean="0"/>
-              <a:t>)</a:t>
+              <a:rPr lang="en-US" altLang="zh-CN" dirty="0" smtClean="0"/>
+              <a:t>Original BKT</a:t>
             </a:r>
             <a:endParaRPr lang="zh-CN" altLang="en-US" dirty="0"/>
           </a:p>
@@ -4592,39 +4913,49 @@
           <a:p>
             <a:r>
               <a:rPr lang="en-US" altLang="zh-CN" dirty="0" smtClean="0"/>
-              <a:t>Initial P(L</a:t>
-            </a:r>
-            <a:r>
-              <a:rPr lang="en-US" altLang="zh-CN" baseline="-25000" dirty="0" smtClean="0"/>
-              <a:t>0</a:t>
-            </a:r>
-            <a:r>
-              <a:rPr lang="en-US" altLang="zh-CN" dirty="0" smtClean="0"/>
-              <a:t>) by assigning according to a set of heuristics:</a:t>
+              <a:t>Skill parameters</a:t>
             </a:r>
           </a:p>
           <a:p>
             <a:pPr lvl="1"/>
             <a:r>
               <a:rPr lang="en-US" altLang="zh-CN" dirty="0" smtClean="0"/>
-              <a:t>Randomly, by selecting from two pre-set values based on first student response correctness, by suing overall percent </a:t>
-            </a:r>
-            <a:r>
-              <a:rPr lang="en-US" altLang="zh-CN" dirty="0" err="1" smtClean="0"/>
-              <a:t>corrent</a:t>
-            </a:r>
-            <a:r>
-              <a:rPr lang="en-US" altLang="zh-CN" dirty="0" smtClean="0"/>
-              <a:t>.</a:t>
-            </a:r>
-            <a:endParaRPr lang="zh-CN" altLang="en-US" dirty="0"/>
+              <a:t>Data of all students practicing skill k</a:t>
+            </a:r>
+          </a:p>
+          <a:p>
+            <a:r>
+              <a:rPr lang="en-US" altLang="zh-CN" dirty="0" smtClean="0"/>
+              <a:t>Student parameters</a:t>
+            </a:r>
+          </a:p>
+          <a:p>
+            <a:pPr lvl="1"/>
+            <a:r>
+              <a:rPr lang="en-US" altLang="zh-CN" dirty="0" smtClean="0"/>
+              <a:t>All data of student u</a:t>
+            </a:r>
+          </a:p>
+          <a:p>
+            <a:r>
+              <a:rPr lang="en-US" altLang="zh-CN" dirty="0" smtClean="0"/>
+              <a:t>Using a special function to combine skill parameters and student parameters yield a </a:t>
+            </a:r>
+            <a:r>
+              <a:rPr lang="en-US" altLang="zh-CN" dirty="0" smtClean="0"/>
+              <a:t>value </a:t>
+            </a:r>
+            <a:r>
+              <a:rPr lang="en-US" altLang="zh-CN" dirty="0" smtClean="0"/>
+              <a:t>to be used for updating the probability of skill mastery.</a:t>
+            </a:r>
           </a:p>
         </p:txBody>
       </p:sp>
     </p:spTree>
     <p:extLst>
       <p:ext uri="{BB962C8B-B14F-4D97-AF65-F5344CB8AC3E}">
-        <p14:creationId xmlns:p14="http://schemas.microsoft.com/office/powerpoint/2010/main" val="952267203"/>
+        <p14:creationId xmlns:p14="http://schemas.microsoft.com/office/powerpoint/2010/main" val="2987298641"/>
       </p:ext>
     </p:extLst>
   </p:cSld>
@@ -4668,15 +4999,7 @@
           <a:p>
             <a:r>
               <a:rPr lang="en-US" altLang="zh-CN" dirty="0" smtClean="0"/>
-              <a:t>Lee &amp; </a:t>
-            </a:r>
-            <a:r>
-              <a:rPr lang="en-US" altLang="zh-CN" dirty="0" err="1" smtClean="0"/>
-              <a:t>Brunskill</a:t>
-            </a:r>
-            <a:r>
-              <a:rPr lang="en-US" altLang="zh-CN" dirty="0" smtClean="0"/>
-              <a:t> individualizing all four BKT paras</a:t>
+              <a:t>Original BKT</a:t>
             </a:r>
             <a:endParaRPr lang="zh-CN" altLang="en-US" dirty="0"/>
           </a:p>
@@ -4699,36 +5022,29 @@
           <a:p>
             <a:r>
               <a:rPr lang="en-US" altLang="zh-CN" dirty="0" smtClean="0"/>
-              <a:t>They </a:t>
+              <a:t>Better correlation between </a:t>
             </a:r>
             <a:r>
               <a:rPr lang="en-US" altLang="zh-CN" dirty="0"/>
-              <a:t>only </a:t>
-            </a:r>
-            <a:r>
-              <a:rPr lang="en-US" altLang="zh-CN" dirty="0" smtClean="0"/>
-              <a:t>fit </a:t>
-            </a:r>
-            <a:r>
-              <a:rPr lang="en-US" altLang="zh-CN" dirty="0"/>
-              <a:t>per-student parameters for each </a:t>
-            </a:r>
-            <a:r>
-              <a:rPr lang="en-US" altLang="zh-CN" dirty="0" smtClean="0"/>
-              <a:t>student.</a:t>
-            </a:r>
-          </a:p>
-          <a:p>
-            <a:r>
-              <a:rPr lang="en-US" altLang="zh-CN" dirty="0" smtClean="0"/>
-              <a:t>Whether schedule fewer or more practice opportunities.</a:t>
-            </a:r>
-          </a:p>
-          <a:p>
-            <a:r>
-              <a:rPr lang="en-US" altLang="zh-CN" dirty="0" smtClean="0"/>
-              <a:t>Save time for stronger students and allocate more time for struggling ones.</a:t>
-            </a:r>
+              <a:t>actual and expected accuracy across students</a:t>
+            </a:r>
+            <a:endParaRPr lang="en-US" altLang="zh-CN" dirty="0" smtClean="0"/>
+          </a:p>
+          <a:p>
+            <a:r>
+              <a:rPr lang="en-US" altLang="zh-CN" dirty="0" smtClean="0"/>
+              <a:t>Accuracy of predicting test </a:t>
+            </a:r>
+            <a:r>
+              <a:rPr lang="en-US" altLang="zh-CN" dirty="0" smtClean="0"/>
+              <a:t>scores </a:t>
+            </a:r>
+            <a:r>
+              <a:rPr lang="en-US" altLang="zh-CN" dirty="0" smtClean="0"/>
+              <a:t>not improve tangibly</a:t>
+            </a:r>
+          </a:p>
+          <a:p>
             <a:endParaRPr lang="zh-CN" altLang="en-US" dirty="0"/>
           </a:p>
         </p:txBody>
@@ -4736,7 +5052,7 @@
     </p:spTree>
     <p:extLst>
       <p:ext uri="{BB962C8B-B14F-4D97-AF65-F5344CB8AC3E}">
-        <p14:creationId xmlns:p14="http://schemas.microsoft.com/office/powerpoint/2010/main" val="3971030818"/>
+        <p14:creationId xmlns:p14="http://schemas.microsoft.com/office/powerpoint/2010/main" val="3683880969"/>
       </p:ext>
     </p:extLst>
   </p:cSld>
@@ -4779,10 +5095,38 @@
           <a:lstStyle/>
           <a:p>
             <a:r>
-              <a:rPr lang="en-US" altLang="zh-CN" dirty="0" smtClean="0"/>
-              <a:t>Our goal</a:t>
-            </a:r>
-            <a:endParaRPr lang="zh-CN" altLang="en-US" dirty="0"/>
+              <a:rPr lang="en-US" altLang="zh-CN" dirty="0" err="1"/>
+              <a:t>Pardos</a:t>
+            </a:r>
+            <a:r>
+              <a:rPr lang="en-US" altLang="zh-CN" dirty="0"/>
+              <a:t> and </a:t>
+            </a:r>
+            <a:r>
+              <a:rPr lang="en-US" altLang="zh-CN" dirty="0" err="1" smtClean="0"/>
+              <a:t>Heernan</a:t>
+            </a:r>
+            <a:r>
+              <a:rPr lang="en-US" altLang="zh-CN" dirty="0" smtClean="0"/>
+              <a:t> individualized </a:t>
+            </a:r>
+            <a:r>
+              <a:rPr lang="en-US" altLang="zh-CN" dirty="0" smtClean="0"/>
+              <a:t>P(L</a:t>
+            </a:r>
+            <a:r>
+              <a:rPr lang="en-US" altLang="zh-CN" baseline="-25000" dirty="0" smtClean="0"/>
+              <a:t>0</a:t>
+            </a:r>
+            <a:r>
+              <a:rPr lang="en-US" altLang="zh-CN" dirty="0" smtClean="0"/>
+              <a:t>)</a:t>
+            </a:r>
+            <a:r>
+              <a:rPr lang="en-US" altLang="zh-CN" baseline="30000" dirty="0" smtClean="0"/>
+              <a:t>k</a:t>
+            </a:r>
+            <a:endParaRPr lang="zh-CN" altLang="en-US" baseline="30000" dirty="0"/>
           </a:p>
         </p:txBody>
       </p:sp>
@@ -4803,19 +5147,30 @@
           <a:p>
             <a:r>
               <a:rPr lang="en-US" altLang="zh-CN" dirty="0" smtClean="0"/>
-              <a:t>Unify and extend prior work on individualized BKT models.</a:t>
-            </a:r>
-          </a:p>
-          <a:p>
-            <a:r>
-              <a:rPr lang="en-US" altLang="zh-CN" dirty="0" smtClean="0"/>
-              <a:t>Construct four variants of individualized BKT models.</a:t>
-            </a:r>
-          </a:p>
-          <a:p>
-            <a:r>
-              <a:rPr lang="en-US" altLang="zh-CN" dirty="0" smtClean="0"/>
-              <a:t>Rank the constructed models with respect to predictive accuracy on unseen data.</a:t>
+              <a:t>Initial P(L</a:t>
+            </a:r>
+            <a:r>
+              <a:rPr lang="en-US" altLang="zh-CN" baseline="-25000" dirty="0" smtClean="0"/>
+              <a:t>0</a:t>
+            </a:r>
+            <a:r>
+              <a:rPr lang="en-US" altLang="zh-CN" dirty="0" smtClean="0"/>
+              <a:t>) by assigning according to a set of heuristics:</a:t>
+            </a:r>
+          </a:p>
+          <a:p>
+            <a:pPr lvl="1"/>
+            <a:r>
+              <a:rPr lang="en-US" altLang="zh-CN" dirty="0" smtClean="0"/>
+              <a:t>Randomly, by selecting from two pre-set values based on first student response correctness, by suing overall percent </a:t>
+            </a:r>
+            <a:r>
+              <a:rPr lang="en-US" altLang="zh-CN" dirty="0" smtClean="0"/>
+              <a:t>correct</a:t>
+            </a:r>
+            <a:r>
+              <a:rPr lang="en-US" altLang="zh-CN" dirty="0" smtClean="0"/>
+              <a:t>.</a:t>
             </a:r>
             <a:endParaRPr lang="zh-CN" altLang="en-US" dirty="0"/>
           </a:p>
@@ -4824,7 +5179,7 @@
     </p:spTree>
     <p:extLst>
       <p:ext uri="{BB962C8B-B14F-4D97-AF65-F5344CB8AC3E}">
-        <p14:creationId xmlns:p14="http://schemas.microsoft.com/office/powerpoint/2010/main" val="3213607976"/>
+        <p14:creationId xmlns:p14="http://schemas.microsoft.com/office/powerpoint/2010/main" val="952267203"/>
       </p:ext>
     </p:extLst>
   </p:cSld>
@@ -4868,7 +5223,15 @@
           <a:p>
             <a:r>
               <a:rPr lang="en-US" altLang="zh-CN" dirty="0" smtClean="0"/>
-              <a:t>Not use EM</a:t>
+              <a:t>Lee &amp; </a:t>
+            </a:r>
+            <a:r>
+              <a:rPr lang="en-US" altLang="zh-CN" dirty="0" err="1" smtClean="0"/>
+              <a:t>Brunskill</a:t>
+            </a:r>
+            <a:r>
+              <a:rPr lang="en-US" altLang="zh-CN" dirty="0" smtClean="0"/>
+              <a:t> individualizing all four BKT paras</a:t>
             </a:r>
             <a:endParaRPr lang="zh-CN" altLang="en-US" dirty="0"/>
           </a:p>
@@ -4891,22 +5254,47 @@
           <a:p>
             <a:r>
               <a:rPr lang="en-US" altLang="zh-CN" dirty="0" smtClean="0"/>
-              <a:t>EM not directly optimize a likelihood of the student observations .</a:t>
-            </a:r>
-          </a:p>
-          <a:p>
-            <a:r>
-              <a:rPr lang="en-US" altLang="zh-CN" dirty="0" smtClean="0"/>
-              <a:t>EM could make adjustments to BKT parameters that would actually worsen the fit.</a:t>
-            </a:r>
-          </a:p>
-          <a:p>
-            <a:endParaRPr lang="en-US" altLang="zh-CN" dirty="0"/>
-          </a:p>
-          <a:p>
-            <a:r>
-              <a:rPr lang="en-US" altLang="zh-CN" dirty="0" smtClean="0"/>
-              <a:t>Using gradient-based optimization techniques allows us to introduce students-specific parameters to BKT without expanding the structure of the underlying HMM.</a:t>
+              <a:t>They </a:t>
+            </a:r>
+            <a:r>
+              <a:rPr lang="en-US" altLang="zh-CN" dirty="0"/>
+              <a:t>only </a:t>
+            </a:r>
+            <a:r>
+              <a:rPr lang="en-US" altLang="zh-CN" dirty="0" smtClean="0"/>
+              <a:t>fit </a:t>
+            </a:r>
+            <a:r>
+              <a:rPr lang="en-US" altLang="zh-CN" dirty="0"/>
+              <a:t>per-student parameters for each </a:t>
+            </a:r>
+            <a:r>
+              <a:rPr lang="en-US" altLang="zh-CN" dirty="0" smtClean="0"/>
+              <a:t>student</a:t>
+            </a:r>
+            <a:r>
+              <a:rPr lang="en-US" altLang="zh-CN" dirty="0" smtClean="0"/>
+              <a:t>.</a:t>
+            </a:r>
+          </a:p>
+          <a:p>
+            <a:pPr lvl="1"/>
+            <a:r>
+              <a:rPr lang="en-US" altLang="zh-CN" dirty="0" smtClean="0"/>
+              <a:t>assuming there is one skill for all students to learn</a:t>
+            </a:r>
+            <a:endParaRPr lang="en-US" altLang="zh-CN" dirty="0" smtClean="0"/>
+          </a:p>
+          <a:p>
+            <a:r>
+              <a:rPr lang="en-US" altLang="zh-CN" dirty="0" smtClean="0"/>
+              <a:t>Whether schedule fewer or more practice opportunities.</a:t>
+            </a:r>
+          </a:p>
+          <a:p>
+            <a:r>
+              <a:rPr lang="en-US" altLang="zh-CN" dirty="0" smtClean="0"/>
+              <a:t>Save time for stronger students and allocate more time for struggling ones.</a:t>
             </a:r>
             <a:endParaRPr lang="zh-CN" altLang="en-US" dirty="0"/>
           </a:p>
@@ -4915,7 +5303,7 @@
     </p:spTree>
     <p:extLst>
       <p:ext uri="{BB962C8B-B14F-4D97-AF65-F5344CB8AC3E}">
-        <p14:creationId xmlns:p14="http://schemas.microsoft.com/office/powerpoint/2010/main" val="2925354745"/>
+        <p14:creationId xmlns:p14="http://schemas.microsoft.com/office/powerpoint/2010/main" val="3971030818"/>
       </p:ext>
     </p:extLst>
   </p:cSld>
